--- a/projekti2.pptx
+++ b/projekti2.pptx
@@ -12180,7 +12180,7 @@
         </p:nvSpPr>
         <p:spPr>
           <a:xfrm>
-            <a:off x="2671638" y="206734"/>
+            <a:off x="2576223" y="704646"/>
             <a:ext cx="6174658" cy="995824"/>
           </a:xfrm>
         </p:spPr>
@@ -12225,8 +12225,8 @@
         </p:nvSpPr>
         <p:spPr>
           <a:xfrm>
-            <a:off x="461177" y="1350501"/>
-            <a:ext cx="8086477" cy="1809954"/>
+            <a:off x="922352" y="2120400"/>
+            <a:ext cx="10042496" cy="2617200"/>
           </a:xfrm>
           <a:prstGeom prst="rect">
             <a:avLst/>
@@ -24616,15 +24616,6 @@
 </file>
 
 <file path=customXml/item2.xml><?xml version="1.0" encoding="utf-8"?>
-<?mso-contentType ?>
-<FormTemplates xmlns="http://schemas.microsoft.com/sharepoint/v3/contenttype/forms">
-  <Display>DocumentLibraryForm</Display>
-  <Edit>DocumentLibraryForm</Edit>
-  <New>DocumentLibraryForm</New>
-</FormTemplates>
-</file>
-
-<file path=customXml/item3.xml><?xml version="1.0" encoding="utf-8"?>
 <ct:contentTypeSchema xmlns:ct="http://schemas.microsoft.com/office/2006/metadata/contentType" xmlns:ma="http://schemas.microsoft.com/office/2006/metadata/properties/metaAttributes" ct:_="" ma:_="" ma:contentTypeName="Document" ma:contentTypeID="0x01010079F111ED35F8CC479449609E8A0923A6" ma:contentTypeVersion="11" ma:contentTypeDescription="Create a new document." ma:contentTypeScope="" ma:versionID="9677210f24a1be23c92c90fd886aa0aa">
   <xsd:schema xmlns:xsd="http://www.w3.org/2001/XMLSchema" xmlns:xs="http://www.w3.org/2001/XMLSchema" xmlns:p="http://schemas.microsoft.com/office/2006/metadata/properties" xmlns:ns2="71af3243-3dd4-4a8d-8c0d-dd76da1f02a5" xmlns:ns3="16c05727-aa75-4e4a-9b5f-8a80a1165891" targetNamespace="http://schemas.microsoft.com/office/2006/metadata/properties" ma:root="true" ma:fieldsID="60e05723c5c1908df1a1a4ebf11d344e" ns2:_="" ns3:_="">
     <xsd:import namespace="71af3243-3dd4-4a8d-8c0d-dd76da1f02a5"/>
@@ -24835,6 +24826,15 @@
 </ct:contentTypeSchema>
 </file>
 
+<file path=customXml/item3.xml><?xml version="1.0" encoding="utf-8"?>
+<?mso-contentType ?>
+<FormTemplates xmlns="http://schemas.microsoft.com/sharepoint/v3/contenttype/forms">
+  <Display>DocumentLibraryForm</Display>
+  <Edit>DocumentLibraryForm</Edit>
+  <New>DocumentLibraryForm</New>
+</FormTemplates>
+</file>
+
 <file path=customXml/itemProps1.xml><?xml version="1.0" encoding="utf-8"?>
 <ds:datastoreItem xmlns:ds="http://schemas.openxmlformats.org/officeDocument/2006/customXml" ds:itemID="{4415B3C4-7FB6-414C-8C24-8862C0E6C9F3}">
   <ds:schemaRefs>
@@ -24846,14 +24846,6 @@
 </file>
 
 <file path=customXml/itemProps2.xml><?xml version="1.0" encoding="utf-8"?>
-<ds:datastoreItem xmlns:ds="http://schemas.openxmlformats.org/officeDocument/2006/customXml" ds:itemID="{CE12C2FA-3740-4055-BA8A-74A1458F4A51}">
-  <ds:schemaRefs>
-    <ds:schemaRef ds:uri="http://schemas.microsoft.com/sharepoint/v3/contenttype/forms"/>
-  </ds:schemaRefs>
-</ds:datastoreItem>
-</file>
-
-<file path=customXml/itemProps3.xml><?xml version="1.0" encoding="utf-8"?>
 <ds:datastoreItem xmlns:ds="http://schemas.openxmlformats.org/officeDocument/2006/customXml" ds:itemID="{C94D8E57-4A0C-4C18-9517-59F50323F015}">
   <ds:schemaRefs>
     <ds:schemaRef ds:uri="http://schemas.microsoft.com/office/2006/metadata/contentType"/>
@@ -24870,4 +24862,12 @@
     <ds:schemaRef ds:uri="http://schemas.microsoft.com/internal/obd"/>
   </ds:schemaRefs>
 </ds:datastoreItem>
+</file>
+
+<file path=customXml/itemProps3.xml><?xml version="1.0" encoding="utf-8"?>
+<ds:datastoreItem xmlns:ds="http://schemas.openxmlformats.org/officeDocument/2006/customXml" ds:itemID="{CE12C2FA-3740-4055-BA8A-74A1458F4A51}">
+  <ds:schemaRefs>
+    <ds:schemaRef ds:uri="http://schemas.microsoft.com/sharepoint/v3/contenttype/forms"/>
+  </ds:schemaRefs>
+</ds:datastoreItem>
 </file>